--- a/figures/accel_arch.pptx
+++ b/figures/accel_arch.pptx
@@ -104,6 +104,11 @@
       </a:defRPr>
     </a:lvl9pPr>
   </p:defaultTextStyle>
+  <p:extLst>
+    <p:ext uri="{EFAFB233-063F-42B5-8137-9DF3F51BA10A}">
+      <p15:sldGuideLst xmlns:p15="http://schemas.microsoft.com/office/powerpoint/2012/main"/>
+    </p:ext>
+  </p:extLst>
 </p:presentation>
 </file>
 
@@ -254,7 +259,7 @@
           <a:p>
             <a:fld id="{9C3086E0-CD34-475A-BDD9-BFC024606ACE}" type="datetimeFigureOut">
               <a:rPr lang="en-US" smtClean="0"/>
-              <a:t>4/18/2019</a:t>
+              <a:t>5/28/19</a:t>
             </a:fld>
             <a:endParaRPr lang="en-US"/>
           </a:p>
@@ -452,7 +457,7 @@
           <a:p>
             <a:fld id="{9C3086E0-CD34-475A-BDD9-BFC024606ACE}" type="datetimeFigureOut">
               <a:rPr lang="en-US" smtClean="0"/>
-              <a:t>4/18/2019</a:t>
+              <a:t>5/28/19</a:t>
             </a:fld>
             <a:endParaRPr lang="en-US"/>
           </a:p>
@@ -660,7 +665,7 @@
           <a:p>
             <a:fld id="{9C3086E0-CD34-475A-BDD9-BFC024606ACE}" type="datetimeFigureOut">
               <a:rPr lang="en-US" smtClean="0"/>
-              <a:t>4/18/2019</a:t>
+              <a:t>5/28/19</a:t>
             </a:fld>
             <a:endParaRPr lang="en-US"/>
           </a:p>
@@ -858,7 +863,7 @@
           <a:p>
             <a:fld id="{9C3086E0-CD34-475A-BDD9-BFC024606ACE}" type="datetimeFigureOut">
               <a:rPr lang="en-US" smtClean="0"/>
-              <a:t>4/18/2019</a:t>
+              <a:t>5/28/19</a:t>
             </a:fld>
             <a:endParaRPr lang="en-US"/>
           </a:p>
@@ -1133,7 +1138,7 @@
           <a:p>
             <a:fld id="{9C3086E0-CD34-475A-BDD9-BFC024606ACE}" type="datetimeFigureOut">
               <a:rPr lang="en-US" smtClean="0"/>
-              <a:t>4/18/2019</a:t>
+              <a:t>5/28/19</a:t>
             </a:fld>
             <a:endParaRPr lang="en-US"/>
           </a:p>
@@ -1398,7 +1403,7 @@
           <a:p>
             <a:fld id="{9C3086E0-CD34-475A-BDD9-BFC024606ACE}" type="datetimeFigureOut">
               <a:rPr lang="en-US" smtClean="0"/>
-              <a:t>4/18/2019</a:t>
+              <a:t>5/28/19</a:t>
             </a:fld>
             <a:endParaRPr lang="en-US"/>
           </a:p>
@@ -1810,7 +1815,7 @@
           <a:p>
             <a:fld id="{9C3086E0-CD34-475A-BDD9-BFC024606ACE}" type="datetimeFigureOut">
               <a:rPr lang="en-US" smtClean="0"/>
-              <a:t>4/18/2019</a:t>
+              <a:t>5/28/19</a:t>
             </a:fld>
             <a:endParaRPr lang="en-US"/>
           </a:p>
@@ -1951,7 +1956,7 @@
           <a:p>
             <a:fld id="{9C3086E0-CD34-475A-BDD9-BFC024606ACE}" type="datetimeFigureOut">
               <a:rPr lang="en-US" smtClean="0"/>
-              <a:t>4/18/2019</a:t>
+              <a:t>5/28/19</a:t>
             </a:fld>
             <a:endParaRPr lang="en-US"/>
           </a:p>
@@ -2064,7 +2069,7 @@
           <a:p>
             <a:fld id="{9C3086E0-CD34-475A-BDD9-BFC024606ACE}" type="datetimeFigureOut">
               <a:rPr lang="en-US" smtClean="0"/>
-              <a:t>4/18/2019</a:t>
+              <a:t>5/28/19</a:t>
             </a:fld>
             <a:endParaRPr lang="en-US"/>
           </a:p>
@@ -2375,7 +2380,7 @@
           <a:p>
             <a:fld id="{9C3086E0-CD34-475A-BDD9-BFC024606ACE}" type="datetimeFigureOut">
               <a:rPr lang="en-US" smtClean="0"/>
-              <a:t>4/18/2019</a:t>
+              <a:t>5/28/19</a:t>
             </a:fld>
             <a:endParaRPr lang="en-US"/>
           </a:p>
@@ -2663,7 +2668,7 @@
           <a:p>
             <a:fld id="{9C3086E0-CD34-475A-BDD9-BFC024606ACE}" type="datetimeFigureOut">
               <a:rPr lang="en-US" smtClean="0"/>
-              <a:t>4/18/2019</a:t>
+              <a:t>5/28/19</a:t>
             </a:fld>
             <a:endParaRPr lang="en-US"/>
           </a:p>
@@ -2904,7 +2909,7 @@
           <a:p>
             <a:fld id="{9C3086E0-CD34-475A-BDD9-BFC024606ACE}" type="datetimeFigureOut">
               <a:rPr lang="en-US" smtClean="0"/>
-              <a:t>4/18/2019</a:t>
+              <a:t>5/28/19</a:t>
             </a:fld>
             <a:endParaRPr lang="en-US"/>
           </a:p>
@@ -3392,6 +3397,9 @@
             <a:avLst/>
           </a:prstGeom>
           <a:ln>
+            <a:solidFill>
+              <a:schemeClr val="tx1"/>
+            </a:solidFill>
             <a:headEnd type="none" w="med" len="med"/>
             <a:tailEnd type="none" w="med" len="med"/>
           </a:ln>
@@ -3831,7 +3839,9 @@
               </a:schemeClr>
             </a:solidFill>
             <a:ln>
-              <a:noFill/>
+              <a:solidFill>
+                <a:schemeClr val="tx1"/>
+              </a:solidFill>
               <a:headEnd type="none" w="med" len="med"/>
               <a:tailEnd type="none" w="med" len="med"/>
             </a:ln>
@@ -3916,7 +3926,9 @@
               </a:schemeClr>
             </a:solidFill>
             <a:ln>
-              <a:noFill/>
+              <a:solidFill>
+                <a:schemeClr val="tx1"/>
+              </a:solidFill>
               <a:headEnd type="none" w="med" len="med"/>
               <a:tailEnd type="none" w="med" len="med"/>
             </a:ln>
@@ -4001,7 +4013,9 @@
               </a:schemeClr>
             </a:solidFill>
             <a:ln>
-              <a:noFill/>
+              <a:solidFill>
+                <a:schemeClr val="tx1"/>
+              </a:solidFill>
               <a:headEnd type="none" w="med" len="med"/>
               <a:tailEnd type="none" w="med" len="med"/>
             </a:ln>
@@ -5762,7 +5776,20 @@
           <a:prstGeom prst="rect">
             <a:avLst/>
           </a:prstGeom>
+          <a:pattFill prst="ltUpDiag">
+            <a:fgClr>
+              <a:schemeClr val="bg2">
+                <a:lumMod val="90000"/>
+              </a:schemeClr>
+            </a:fgClr>
+            <a:bgClr>
+              <a:schemeClr val="bg1"/>
+            </a:bgClr>
+          </a:pattFill>
           <a:ln>
+            <a:solidFill>
+              <a:schemeClr val="tx1"/>
+            </a:solidFill>
             <a:headEnd type="none" w="med" len="med"/>
             <a:tailEnd type="none" w="med" len="med"/>
           </a:ln>
@@ -5806,7 +5833,7 @@
             <a:r>
               <a:rPr kumimoji="1" lang="zh-CN" altLang="en-US" sz="1400" dirty="0">
                 <a:solidFill>
-                  <a:schemeClr val="bg1"/>
+                  <a:schemeClr val="tx1"/>
                 </a:solidFill>
                 <a:ea typeface="Segoe UI" pitchFamily="34" charset="0"/>
                 <a:cs typeface="Segoe UI" pitchFamily="34" charset="0"/>
@@ -5836,7 +5863,20 @@
           <a:prstGeom prst="rect">
             <a:avLst/>
           </a:prstGeom>
+          <a:pattFill prst="ltUpDiag">
+            <a:fgClr>
+              <a:schemeClr val="bg2">
+                <a:lumMod val="90000"/>
+              </a:schemeClr>
+            </a:fgClr>
+            <a:bgClr>
+              <a:schemeClr val="bg1"/>
+            </a:bgClr>
+          </a:pattFill>
           <a:ln>
+            <a:solidFill>
+              <a:schemeClr val="tx1"/>
+            </a:solidFill>
             <a:headEnd type="none" w="med" len="med"/>
             <a:tailEnd type="none" w="med" len="med"/>
           </a:ln>
@@ -5880,7 +5920,7 @@
             <a:r>
               <a:rPr kumimoji="1" lang="zh-CN" altLang="en-US" sz="1400" dirty="0">
                 <a:solidFill>
-                  <a:schemeClr val="bg1"/>
+                  <a:schemeClr val="tx1"/>
                 </a:solidFill>
                 <a:ea typeface="Segoe UI" pitchFamily="34" charset="0"/>
                 <a:cs typeface="Segoe UI" pitchFamily="34" charset="0"/>
@@ -5910,7 +5950,20 @@
           <a:prstGeom prst="rect">
             <a:avLst/>
           </a:prstGeom>
+          <a:pattFill prst="ltUpDiag">
+            <a:fgClr>
+              <a:schemeClr val="bg2">
+                <a:lumMod val="90000"/>
+              </a:schemeClr>
+            </a:fgClr>
+            <a:bgClr>
+              <a:schemeClr val="bg1"/>
+            </a:bgClr>
+          </a:pattFill>
           <a:ln>
+            <a:solidFill>
+              <a:schemeClr val="tx1"/>
+            </a:solidFill>
             <a:headEnd type="none" w="med" len="med"/>
             <a:tailEnd type="none" w="med" len="med"/>
           </a:ln>
@@ -5954,7 +6007,7 @@
             <a:r>
               <a:rPr kumimoji="1" lang="zh-CN" altLang="en-US" sz="1400" dirty="0">
                 <a:solidFill>
-                  <a:schemeClr val="bg1"/>
+                  <a:schemeClr val="tx1"/>
                 </a:solidFill>
                 <a:ea typeface="Segoe UI" pitchFamily="34" charset="0"/>
                 <a:cs typeface="Segoe UI" pitchFamily="34" charset="0"/>
@@ -6419,7 +6472,20 @@
           <a:prstGeom prst="rect">
             <a:avLst/>
           </a:prstGeom>
+          <a:pattFill prst="ltUpDiag">
+            <a:fgClr>
+              <a:schemeClr val="bg2">
+                <a:lumMod val="90000"/>
+              </a:schemeClr>
+            </a:fgClr>
+            <a:bgClr>
+              <a:schemeClr val="bg1"/>
+            </a:bgClr>
+          </a:pattFill>
           <a:ln>
+            <a:solidFill>
+              <a:schemeClr val="tx1"/>
+            </a:solidFill>
             <a:headEnd type="none" w="med" len="med"/>
             <a:tailEnd type="none" w="med" len="med"/>
           </a:ln>
@@ -6463,7 +6529,7 @@
             <a:r>
               <a:rPr kumimoji="1" lang="zh-CN" altLang="en-US" sz="1400" dirty="0">
                 <a:solidFill>
-                  <a:schemeClr val="bg1"/>
+                  <a:schemeClr val="tx1"/>
                 </a:solidFill>
                 <a:ea typeface="Segoe UI" pitchFamily="34" charset="0"/>
                 <a:cs typeface="Segoe UI" pitchFamily="34" charset="0"/>
@@ -6493,7 +6559,20 @@
           <a:prstGeom prst="rect">
             <a:avLst/>
           </a:prstGeom>
+          <a:pattFill prst="ltUpDiag">
+            <a:fgClr>
+              <a:schemeClr val="bg2">
+                <a:lumMod val="90000"/>
+              </a:schemeClr>
+            </a:fgClr>
+            <a:bgClr>
+              <a:schemeClr val="bg1"/>
+            </a:bgClr>
+          </a:pattFill>
           <a:ln>
+            <a:solidFill>
+              <a:schemeClr val="tx1"/>
+            </a:solidFill>
             <a:headEnd type="none" w="med" len="med"/>
             <a:tailEnd type="none" w="med" len="med"/>
           </a:ln>
@@ -6537,7 +6616,7 @@
             <a:r>
               <a:rPr kumimoji="1" lang="zh-CN" altLang="en-US" sz="1400" dirty="0">
                 <a:solidFill>
-                  <a:schemeClr val="bg1"/>
+                  <a:schemeClr val="tx1"/>
                 </a:solidFill>
                 <a:ea typeface="Segoe UI" pitchFamily="34" charset="0"/>
                 <a:cs typeface="Segoe UI" pitchFamily="34" charset="0"/>
@@ -6907,7 +6986,20 @@
           <a:prstGeom prst="rect">
             <a:avLst/>
           </a:prstGeom>
+          <a:pattFill prst="ltUpDiag">
+            <a:fgClr>
+              <a:schemeClr val="bg2">
+                <a:lumMod val="90000"/>
+              </a:schemeClr>
+            </a:fgClr>
+            <a:bgClr>
+              <a:schemeClr val="bg1"/>
+            </a:bgClr>
+          </a:pattFill>
           <a:ln>
+            <a:solidFill>
+              <a:schemeClr val="tx1"/>
+            </a:solidFill>
             <a:headEnd type="none" w="med" len="med"/>
             <a:tailEnd type="none" w="med" len="med"/>
           </a:ln>
@@ -6951,7 +7043,7 @@
             <a:r>
               <a:rPr kumimoji="1" lang="zh-CN" altLang="en-US" sz="1400" dirty="0">
                 <a:solidFill>
-                  <a:schemeClr val="bg1"/>
+                  <a:schemeClr val="tx1"/>
                 </a:solidFill>
                 <a:ea typeface="Segoe UI" pitchFamily="34" charset="0"/>
                 <a:cs typeface="Segoe UI" pitchFamily="34" charset="0"/>
@@ -6981,7 +7073,20 @@
           <a:prstGeom prst="rect">
             <a:avLst/>
           </a:prstGeom>
+          <a:pattFill prst="ltUpDiag">
+            <a:fgClr>
+              <a:schemeClr val="bg2">
+                <a:lumMod val="90000"/>
+              </a:schemeClr>
+            </a:fgClr>
+            <a:bgClr>
+              <a:schemeClr val="bg1"/>
+            </a:bgClr>
+          </a:pattFill>
           <a:ln>
+            <a:solidFill>
+              <a:schemeClr val="tx1"/>
+            </a:solidFill>
             <a:headEnd type="none" w="med" len="med"/>
             <a:tailEnd type="none" w="med" len="med"/>
           </a:ln>
@@ -7025,7 +7130,7 @@
             <a:r>
               <a:rPr kumimoji="1" lang="zh-CN" altLang="en-US" sz="1400" dirty="0">
                 <a:solidFill>
-                  <a:schemeClr val="bg1"/>
+                  <a:schemeClr val="tx1"/>
                 </a:solidFill>
                 <a:ea typeface="Segoe UI" pitchFamily="34" charset="0"/>
                 <a:cs typeface="Segoe UI" pitchFamily="34" charset="0"/>
@@ -7172,10 +7277,20 @@
           <a:prstGeom prst="rect">
             <a:avLst/>
           </a:prstGeom>
-          <a:solidFill>
-            <a:srgbClr val="007ADB"/>
-          </a:solidFill>
+          <a:pattFill prst="ltUpDiag">
+            <a:fgClr>
+              <a:schemeClr val="bg2">
+                <a:lumMod val="90000"/>
+              </a:schemeClr>
+            </a:fgClr>
+            <a:bgClr>
+              <a:schemeClr val="bg1"/>
+            </a:bgClr>
+          </a:pattFill>
           <a:ln>
+            <a:solidFill>
+              <a:schemeClr val="tx1"/>
+            </a:solidFill>
             <a:headEnd type="none" w="med" len="med"/>
             <a:tailEnd type="none" w="med" len="med"/>
           </a:ln>
@@ -7219,7 +7334,7 @@
             <a:r>
               <a:rPr kumimoji="1" lang="zh-CN" altLang="en-US" sz="1400" dirty="0">
                 <a:solidFill>
-                  <a:schemeClr val="bg1"/>
+                  <a:schemeClr val="tx1"/>
                 </a:solidFill>
                 <a:ea typeface="Segoe UI" pitchFamily="34" charset="0"/>
                 <a:cs typeface="Segoe UI" pitchFamily="34" charset="0"/>
@@ -7404,10 +7519,20 @@
           <a:prstGeom prst="rect">
             <a:avLst/>
           </a:prstGeom>
-          <a:solidFill>
-            <a:srgbClr val="007ADB"/>
-          </a:solidFill>
+          <a:pattFill prst="ltUpDiag">
+            <a:fgClr>
+              <a:schemeClr val="bg2">
+                <a:lumMod val="90000"/>
+              </a:schemeClr>
+            </a:fgClr>
+            <a:bgClr>
+              <a:schemeClr val="bg1"/>
+            </a:bgClr>
+          </a:pattFill>
           <a:ln>
+            <a:solidFill>
+              <a:schemeClr val="tx1"/>
+            </a:solidFill>
             <a:headEnd type="none" w="med" len="med"/>
             <a:tailEnd type="none" w="med" len="med"/>
           </a:ln>
@@ -7451,7 +7576,7 @@
             <a:r>
               <a:rPr kumimoji="1" lang="zh-CN" altLang="en-US" sz="1400" dirty="0">
                 <a:solidFill>
-                  <a:schemeClr val="bg1"/>
+                  <a:schemeClr val="tx1"/>
                 </a:solidFill>
                 <a:ea typeface="Segoe UI" pitchFamily="34" charset="0"/>
                 <a:cs typeface="Segoe UI" pitchFamily="34" charset="0"/>
@@ -7636,10 +7761,20 @@
           <a:prstGeom prst="rect">
             <a:avLst/>
           </a:prstGeom>
-          <a:solidFill>
-            <a:srgbClr val="007ADB"/>
-          </a:solidFill>
+          <a:pattFill prst="ltUpDiag">
+            <a:fgClr>
+              <a:schemeClr val="bg2">
+                <a:lumMod val="90000"/>
+              </a:schemeClr>
+            </a:fgClr>
+            <a:bgClr>
+              <a:schemeClr val="bg1"/>
+            </a:bgClr>
+          </a:pattFill>
           <a:ln>
+            <a:solidFill>
+              <a:schemeClr val="tx1"/>
+            </a:solidFill>
             <a:headEnd type="none" w="med" len="med"/>
             <a:tailEnd type="none" w="med" len="med"/>
           </a:ln>
@@ -7683,7 +7818,7 @@
             <a:r>
               <a:rPr kumimoji="1" lang="zh-CN" altLang="en-US" sz="1400" dirty="0">
                 <a:solidFill>
-                  <a:schemeClr val="bg1"/>
+                  <a:schemeClr val="tx1"/>
                 </a:solidFill>
                 <a:ea typeface="Segoe UI" pitchFamily="34" charset="0"/>
                 <a:cs typeface="Segoe UI" pitchFamily="34" charset="0"/>
@@ -7947,10 +8082,20 @@
           <a:prstGeom prst="rect">
             <a:avLst/>
           </a:prstGeom>
-          <a:solidFill>
-            <a:srgbClr val="007ADB"/>
-          </a:solidFill>
+          <a:pattFill prst="ltUpDiag">
+            <a:fgClr>
+              <a:schemeClr val="bg2">
+                <a:lumMod val="90000"/>
+              </a:schemeClr>
+            </a:fgClr>
+            <a:bgClr>
+              <a:schemeClr val="bg1"/>
+            </a:bgClr>
+          </a:pattFill>
           <a:ln>
+            <a:solidFill>
+              <a:schemeClr val="tx1"/>
+            </a:solidFill>
             <a:headEnd type="none" w="med" len="med"/>
             <a:tailEnd type="none" w="med" len="med"/>
           </a:ln>
@@ -7994,7 +8139,7 @@
             <a:r>
               <a:rPr kumimoji="1" lang="zh-CN" altLang="en-US" sz="1400" dirty="0">
                 <a:solidFill>
-                  <a:schemeClr val="bg1"/>
+                  <a:schemeClr val="tx1"/>
                 </a:solidFill>
                 <a:ea typeface="Segoe UI" pitchFamily="34" charset="0"/>
                 <a:cs typeface="Segoe UI" pitchFamily="34" charset="0"/>
